--- a/DDS_03/045_DerivationVectorielle/images/Figures.pptx
+++ b/DDS_03/045_DerivationVectorielle/images/Figures.pptx
@@ -304,7 +304,7 @@
           <a:p>
             <a:fld id="{AA309A6D-C09C-4548-B29A-6CF363A7E532}" type="datetimeFigureOut">
               <a:rPr lang="fr-FR" smtClean="0"/>
-              <a:t>12/09/2020</a:t>
+              <a:t>22/10/2020</a:t>
             </a:fld>
             <a:endParaRPr lang="fr-BE"/>
           </a:p>
@@ -469,7 +469,7 @@
           <a:p>
             <a:fld id="{AA309A6D-C09C-4548-B29A-6CF363A7E532}" type="datetimeFigureOut">
               <a:rPr lang="fr-FR" smtClean="0"/>
-              <a:t>12/09/2020</a:t>
+              <a:t>22/10/2020</a:t>
             </a:fld>
             <a:endParaRPr lang="fr-BE"/>
           </a:p>
@@ -644,7 +644,7 @@
           <a:p>
             <a:fld id="{AA309A6D-C09C-4548-B29A-6CF363A7E532}" type="datetimeFigureOut">
               <a:rPr lang="fr-FR" smtClean="0"/>
-              <a:t>12/09/2020</a:t>
+              <a:t>22/10/2020</a:t>
             </a:fld>
             <a:endParaRPr lang="fr-BE"/>
           </a:p>
@@ -809,7 +809,7 @@
           <a:p>
             <a:fld id="{AA309A6D-C09C-4548-B29A-6CF363A7E532}" type="datetimeFigureOut">
               <a:rPr lang="fr-FR" smtClean="0"/>
-              <a:t>12/09/2020</a:t>
+              <a:t>22/10/2020</a:t>
             </a:fld>
             <a:endParaRPr lang="fr-BE"/>
           </a:p>
@@ -1050,7 +1050,7 @@
           <a:p>
             <a:fld id="{AA309A6D-C09C-4548-B29A-6CF363A7E532}" type="datetimeFigureOut">
               <a:rPr lang="fr-FR" smtClean="0"/>
-              <a:t>12/09/2020</a:t>
+              <a:t>22/10/2020</a:t>
             </a:fld>
             <a:endParaRPr lang="fr-BE"/>
           </a:p>
@@ -1333,7 +1333,7 @@
           <a:p>
             <a:fld id="{AA309A6D-C09C-4548-B29A-6CF363A7E532}" type="datetimeFigureOut">
               <a:rPr lang="fr-FR" smtClean="0"/>
-              <a:t>12/09/2020</a:t>
+              <a:t>22/10/2020</a:t>
             </a:fld>
             <a:endParaRPr lang="fr-BE"/>
           </a:p>
@@ -1750,7 +1750,7 @@
           <a:p>
             <a:fld id="{AA309A6D-C09C-4548-B29A-6CF363A7E532}" type="datetimeFigureOut">
               <a:rPr lang="fr-FR" smtClean="0"/>
-              <a:t>12/09/2020</a:t>
+              <a:t>22/10/2020</a:t>
             </a:fld>
             <a:endParaRPr lang="fr-BE"/>
           </a:p>
@@ -1863,7 +1863,7 @@
           <a:p>
             <a:fld id="{AA309A6D-C09C-4548-B29A-6CF363A7E532}" type="datetimeFigureOut">
               <a:rPr lang="fr-FR" smtClean="0"/>
-              <a:t>12/09/2020</a:t>
+              <a:t>22/10/2020</a:t>
             </a:fld>
             <a:endParaRPr lang="fr-BE"/>
           </a:p>
@@ -1953,7 +1953,7 @@
           <a:p>
             <a:fld id="{AA309A6D-C09C-4548-B29A-6CF363A7E532}" type="datetimeFigureOut">
               <a:rPr lang="fr-FR" smtClean="0"/>
-              <a:t>12/09/2020</a:t>
+              <a:t>22/10/2020</a:t>
             </a:fld>
             <a:endParaRPr lang="fr-BE"/>
           </a:p>
@@ -2225,7 +2225,7 @@
           <a:p>
             <a:fld id="{AA309A6D-C09C-4548-B29A-6CF363A7E532}" type="datetimeFigureOut">
               <a:rPr lang="fr-FR" smtClean="0"/>
-              <a:t>12/09/2020</a:t>
+              <a:t>22/10/2020</a:t>
             </a:fld>
             <a:endParaRPr lang="fr-BE"/>
           </a:p>
@@ -2473,7 +2473,7 @@
           <a:p>
             <a:fld id="{AA309A6D-C09C-4548-B29A-6CF363A7E532}" type="datetimeFigureOut">
               <a:rPr lang="fr-FR" smtClean="0"/>
-              <a:t>12/09/2020</a:t>
+              <a:t>22/10/2020</a:t>
             </a:fld>
             <a:endParaRPr lang="fr-BE"/>
           </a:p>
@@ -2681,7 +2681,7 @@
           <a:p>
             <a:fld id="{AA309A6D-C09C-4548-B29A-6CF363A7E532}" type="datetimeFigureOut">
               <a:rPr lang="fr-FR" smtClean="0"/>
-              <a:t>12/09/2020</a:t>
+              <a:t>22/10/2020</a:t>
             </a:fld>
             <a:endParaRPr lang="fr-BE"/>
           </a:p>
@@ -3455,8 +3455,8 @@
             </a:p>
           </p:txBody>
         </p:sp>
-        <mc:AlternateContent xmlns:mc="http://schemas.openxmlformats.org/markup-compatibility/2006">
-          <mc:Choice xmlns:a14="http://schemas.microsoft.com/office/drawing/2010/main" Requires="a14">
+        <mc:AlternateContent xmlns:mc="http://schemas.openxmlformats.org/markup-compatibility/2006" xmlns:a14="http://schemas.microsoft.com/office/drawing/2010/main">
+          <mc:Choice Requires="a14">
             <p:sp>
               <p:nvSpPr>
                 <p:cNvPr id="14" name="ZoneTexte 13">
@@ -3485,6 +3485,7 @@
                 </a:bodyPr>
                 <a:lstStyle/>
                 <a:p>
+                  <a:pPr/>
                   <a14:m>
                     <m:oMathPara xmlns:m="http://schemas.openxmlformats.org/officeDocument/2006/math">
                       <m:oMathParaPr>
@@ -3517,7 +3518,7 @@
               </p:txBody>
             </p:sp>
           </mc:Choice>
-          <mc:Fallback>
+          <mc:Fallback xmlns="">
             <p:sp>
               <p:nvSpPr>
                 <p:cNvPr id="14" name="ZoneTexte 13">
@@ -3562,8 +3563,8 @@
             </p:sp>
           </mc:Fallback>
         </mc:AlternateContent>
-        <mc:AlternateContent xmlns:mc="http://schemas.openxmlformats.org/markup-compatibility/2006">
-          <mc:Choice xmlns:a14="http://schemas.microsoft.com/office/drawing/2010/main" Requires="a14">
+        <mc:AlternateContent xmlns:mc="http://schemas.openxmlformats.org/markup-compatibility/2006" xmlns:a14="http://schemas.microsoft.com/office/drawing/2010/main">
+          <mc:Choice Requires="a14">
             <p:sp>
               <p:nvSpPr>
                 <p:cNvPr id="15" name="ZoneTexte 14">
@@ -3592,6 +3593,7 @@
                 </a:bodyPr>
                 <a:lstStyle/>
                 <a:p>
+                  <a:pPr/>
                   <a14:m>
                     <m:oMathPara xmlns:m="http://schemas.openxmlformats.org/officeDocument/2006/math">
                       <m:oMathParaPr>
@@ -3624,7 +3626,7 @@
               </p:txBody>
             </p:sp>
           </mc:Choice>
-          <mc:Fallback>
+          <mc:Fallback xmlns="">
             <p:sp>
               <p:nvSpPr>
                 <p:cNvPr id="15" name="ZoneTexte 14">
@@ -3669,8 +3671,8 @@
             </p:sp>
           </mc:Fallback>
         </mc:AlternateContent>
-        <mc:AlternateContent xmlns:mc="http://schemas.openxmlformats.org/markup-compatibility/2006">
-          <mc:Choice xmlns:a14="http://schemas.microsoft.com/office/drawing/2010/main" Requires="a14">
+        <mc:AlternateContent xmlns:mc="http://schemas.openxmlformats.org/markup-compatibility/2006" xmlns:a14="http://schemas.microsoft.com/office/drawing/2010/main">
+          <mc:Choice Requires="a14">
             <p:sp>
               <p:nvSpPr>
                 <p:cNvPr id="16" name="ZoneTexte 15">
@@ -3699,6 +3701,7 @@
                 </a:bodyPr>
                 <a:lstStyle/>
                 <a:p>
+                  <a:pPr/>
                   <a14:m>
                     <m:oMathPara xmlns:m="http://schemas.openxmlformats.org/officeDocument/2006/math">
                       <m:oMathParaPr>
@@ -3731,7 +3734,7 @@
               </p:txBody>
             </p:sp>
           </mc:Choice>
-          <mc:Fallback>
+          <mc:Fallback xmlns="">
             <p:sp>
               <p:nvSpPr>
                 <p:cNvPr id="16" name="ZoneTexte 15">
@@ -3776,8 +3779,8 @@
             </p:sp>
           </mc:Fallback>
         </mc:AlternateContent>
-        <mc:AlternateContent xmlns:mc="http://schemas.openxmlformats.org/markup-compatibility/2006">
-          <mc:Choice xmlns:a14="http://schemas.microsoft.com/office/drawing/2010/main" Requires="a14">
+        <mc:AlternateContent xmlns:mc="http://schemas.openxmlformats.org/markup-compatibility/2006" xmlns:a14="http://schemas.microsoft.com/office/drawing/2010/main">
+          <mc:Choice Requires="a14">
             <p:sp>
               <p:nvSpPr>
                 <p:cNvPr id="17" name="ZoneTexte 16">
@@ -3806,6 +3809,7 @@
                 </a:bodyPr>
                 <a:lstStyle/>
                 <a:p>
+                  <a:pPr/>
                   <a14:m>
                     <m:oMathPara xmlns:m="http://schemas.openxmlformats.org/officeDocument/2006/math">
                       <m:oMathParaPr>
@@ -3826,7 +3830,7 @@
               </p:txBody>
             </p:sp>
           </mc:Choice>
-          <mc:Fallback>
+          <mc:Fallback xmlns="">
             <p:sp>
               <p:nvSpPr>
                 <p:cNvPr id="17" name="ZoneTexte 16">
@@ -3871,8 +3875,8 @@
             </p:sp>
           </mc:Fallback>
         </mc:AlternateContent>
-        <mc:AlternateContent xmlns:mc="http://schemas.openxmlformats.org/markup-compatibility/2006">
-          <mc:Choice xmlns:a14="http://schemas.microsoft.com/office/drawing/2010/main" Requires="a14">
+        <mc:AlternateContent xmlns:mc="http://schemas.openxmlformats.org/markup-compatibility/2006" xmlns:a14="http://schemas.microsoft.com/office/drawing/2010/main">
+          <mc:Choice Requires="a14">
             <p:sp>
               <p:nvSpPr>
                 <p:cNvPr id="18" name="ZoneTexte 17">
@@ -3901,6 +3905,7 @@
                 </a:bodyPr>
                 <a:lstStyle/>
                 <a:p>
+                  <a:pPr/>
                   <a14:m>
                     <m:oMathPara xmlns:m="http://schemas.openxmlformats.org/officeDocument/2006/math">
                       <m:oMathParaPr>
@@ -3933,7 +3938,7 @@
               </p:txBody>
             </p:sp>
           </mc:Choice>
-          <mc:Fallback>
+          <mc:Fallback xmlns="">
             <p:sp>
               <p:nvSpPr>
                 <p:cNvPr id="18" name="ZoneTexte 17">
@@ -3978,8 +3983,8 @@
             </p:sp>
           </mc:Fallback>
         </mc:AlternateContent>
-        <mc:AlternateContent xmlns:mc="http://schemas.openxmlformats.org/markup-compatibility/2006">
-          <mc:Choice xmlns:a14="http://schemas.microsoft.com/office/drawing/2010/main" Requires="a14">
+        <mc:AlternateContent xmlns:mc="http://schemas.openxmlformats.org/markup-compatibility/2006" xmlns:a14="http://schemas.microsoft.com/office/drawing/2010/main">
+          <mc:Choice Requires="a14">
             <p:sp>
               <p:nvSpPr>
                 <p:cNvPr id="19" name="ZoneTexte 18">
@@ -4008,6 +4013,7 @@
                 </a:bodyPr>
                 <a:lstStyle/>
                 <a:p>
+                  <a:pPr/>
                   <a14:m>
                     <m:oMathPara xmlns:m="http://schemas.openxmlformats.org/officeDocument/2006/math">
                       <m:oMathParaPr>
@@ -4040,7 +4046,7 @@
               </p:txBody>
             </p:sp>
           </mc:Choice>
-          <mc:Fallback>
+          <mc:Fallback xmlns="">
             <p:sp>
               <p:nvSpPr>
                 <p:cNvPr id="19" name="ZoneTexte 18">
@@ -4496,8 +4502,8 @@
             </a:p>
           </p:txBody>
         </p:sp>
-        <mc:AlternateContent xmlns:mc="http://schemas.openxmlformats.org/markup-compatibility/2006">
-          <mc:Choice xmlns:a14="http://schemas.microsoft.com/office/drawing/2010/main" Requires="a14">
+        <mc:AlternateContent xmlns:mc="http://schemas.openxmlformats.org/markup-compatibility/2006" xmlns:a14="http://schemas.microsoft.com/office/drawing/2010/main">
+          <mc:Choice Requires="a14">
             <p:sp>
               <p:nvSpPr>
                 <p:cNvPr id="27" name="ZoneTexte 26">
@@ -4526,6 +4532,7 @@
                 </a:bodyPr>
                 <a:lstStyle/>
                 <a:p>
+                  <a:pPr/>
                   <a14:m>
                     <m:oMathPara xmlns:m="http://schemas.openxmlformats.org/officeDocument/2006/math">
                       <m:oMathParaPr>
@@ -4558,7 +4565,7 @@
               </p:txBody>
             </p:sp>
           </mc:Choice>
-          <mc:Fallback>
+          <mc:Fallback xmlns="">
             <p:sp>
               <p:nvSpPr>
                 <p:cNvPr id="27" name="ZoneTexte 26">
@@ -4603,8 +4610,8 @@
             </p:sp>
           </mc:Fallback>
         </mc:AlternateContent>
-        <mc:AlternateContent xmlns:mc="http://schemas.openxmlformats.org/markup-compatibility/2006">
-          <mc:Choice xmlns:a14="http://schemas.microsoft.com/office/drawing/2010/main" Requires="a14">
+        <mc:AlternateContent xmlns:mc="http://schemas.openxmlformats.org/markup-compatibility/2006" xmlns:a14="http://schemas.microsoft.com/office/drawing/2010/main">
+          <mc:Choice Requires="a14">
             <p:sp>
               <p:nvSpPr>
                 <p:cNvPr id="28" name="ZoneTexte 27">
@@ -4633,6 +4640,7 @@
                 </a:bodyPr>
                 <a:lstStyle/>
                 <a:p>
+                  <a:pPr/>
                   <a14:m>
                     <m:oMathPara xmlns:m="http://schemas.openxmlformats.org/officeDocument/2006/math">
                       <m:oMathParaPr>
@@ -4665,7 +4673,7 @@
               </p:txBody>
             </p:sp>
           </mc:Choice>
-          <mc:Fallback>
+          <mc:Fallback xmlns="">
             <p:sp>
               <p:nvSpPr>
                 <p:cNvPr id="28" name="ZoneTexte 27">
@@ -4710,8 +4718,8 @@
             </p:sp>
           </mc:Fallback>
         </mc:AlternateContent>
-        <mc:AlternateContent xmlns:mc="http://schemas.openxmlformats.org/markup-compatibility/2006">
-          <mc:Choice xmlns:a14="http://schemas.microsoft.com/office/drawing/2010/main" Requires="a14">
+        <mc:AlternateContent xmlns:mc="http://schemas.openxmlformats.org/markup-compatibility/2006" xmlns:a14="http://schemas.microsoft.com/office/drawing/2010/main">
+          <mc:Choice Requires="a14">
             <p:sp>
               <p:nvSpPr>
                 <p:cNvPr id="29" name="ZoneTexte 28">
@@ -4740,6 +4748,7 @@
                 </a:bodyPr>
                 <a:lstStyle/>
                 <a:p>
+                  <a:pPr/>
                   <a14:m>
                     <m:oMathPara xmlns:m="http://schemas.openxmlformats.org/officeDocument/2006/math">
                       <m:oMathParaPr>
@@ -4772,7 +4781,7 @@
               </p:txBody>
             </p:sp>
           </mc:Choice>
-          <mc:Fallback>
+          <mc:Fallback xmlns="">
             <p:sp>
               <p:nvSpPr>
                 <p:cNvPr id="29" name="ZoneTexte 28">
@@ -4817,8 +4826,8 @@
             </p:sp>
           </mc:Fallback>
         </mc:AlternateContent>
-        <mc:AlternateContent xmlns:mc="http://schemas.openxmlformats.org/markup-compatibility/2006">
-          <mc:Choice xmlns:a14="http://schemas.microsoft.com/office/drawing/2010/main" Requires="a14">
+        <mc:AlternateContent xmlns:mc="http://schemas.openxmlformats.org/markup-compatibility/2006" xmlns:a14="http://schemas.microsoft.com/office/drawing/2010/main">
+          <mc:Choice Requires="a14">
             <p:sp>
               <p:nvSpPr>
                 <p:cNvPr id="30" name="ZoneTexte 29">
@@ -4847,6 +4856,7 @@
                 </a:bodyPr>
                 <a:lstStyle/>
                 <a:p>
+                  <a:pPr/>
                   <a14:m>
                     <m:oMathPara xmlns:m="http://schemas.openxmlformats.org/officeDocument/2006/math">
                       <m:oMathParaPr>
@@ -4867,7 +4877,7 @@
               </p:txBody>
             </p:sp>
           </mc:Choice>
-          <mc:Fallback>
+          <mc:Fallback xmlns="">
             <p:sp>
               <p:nvSpPr>
                 <p:cNvPr id="30" name="ZoneTexte 29">
@@ -4912,8 +4922,8 @@
             </p:sp>
           </mc:Fallback>
         </mc:AlternateContent>
-        <mc:AlternateContent xmlns:mc="http://schemas.openxmlformats.org/markup-compatibility/2006">
-          <mc:Choice xmlns:a14="http://schemas.microsoft.com/office/drawing/2010/main" Requires="a14">
+        <mc:AlternateContent xmlns:mc="http://schemas.openxmlformats.org/markup-compatibility/2006" xmlns:a14="http://schemas.microsoft.com/office/drawing/2010/main">
+          <mc:Choice Requires="a14">
             <p:sp>
               <p:nvSpPr>
                 <p:cNvPr id="31" name="ZoneTexte 30">
@@ -4942,6 +4952,7 @@
                 </a:bodyPr>
                 <a:lstStyle/>
                 <a:p>
+                  <a:pPr/>
                   <a14:m>
                     <m:oMathPara xmlns:m="http://schemas.openxmlformats.org/officeDocument/2006/math">
                       <m:oMathParaPr>
@@ -4974,7 +4985,7 @@
               </p:txBody>
             </p:sp>
           </mc:Choice>
-          <mc:Fallback>
+          <mc:Fallback xmlns="">
             <p:sp>
               <p:nvSpPr>
                 <p:cNvPr id="31" name="ZoneTexte 30">
@@ -5019,8 +5030,8 @@
             </p:sp>
           </mc:Fallback>
         </mc:AlternateContent>
-        <mc:AlternateContent xmlns:mc="http://schemas.openxmlformats.org/markup-compatibility/2006">
-          <mc:Choice xmlns:a14="http://schemas.microsoft.com/office/drawing/2010/main" Requires="a14">
+        <mc:AlternateContent xmlns:mc="http://schemas.openxmlformats.org/markup-compatibility/2006" xmlns:a14="http://schemas.microsoft.com/office/drawing/2010/main">
+          <mc:Choice Requires="a14">
             <p:sp>
               <p:nvSpPr>
                 <p:cNvPr id="32" name="ZoneTexte 31">
@@ -5049,6 +5060,7 @@
                 </a:bodyPr>
                 <a:lstStyle/>
                 <a:p>
+                  <a:pPr/>
                   <a14:m>
                     <m:oMathPara xmlns:m="http://schemas.openxmlformats.org/officeDocument/2006/math">
                       <m:oMathParaPr>
@@ -5100,7 +5112,7 @@
               </p:txBody>
             </p:sp>
           </mc:Choice>
-          <mc:Fallback>
+          <mc:Fallback xmlns="">
             <p:sp>
               <p:nvSpPr>
                 <p:cNvPr id="32" name="ZoneTexte 31">
@@ -5541,8 +5553,8 @@
             </a:p>
           </p:txBody>
         </p:sp>
-        <mc:AlternateContent xmlns:mc="http://schemas.openxmlformats.org/markup-compatibility/2006">
-          <mc:Choice xmlns:a14="http://schemas.microsoft.com/office/drawing/2010/main" Requires="a14">
+        <mc:AlternateContent xmlns:mc="http://schemas.openxmlformats.org/markup-compatibility/2006" xmlns:a14="http://schemas.microsoft.com/office/drawing/2010/main">
+          <mc:Choice Requires="a14">
             <p:sp>
               <p:nvSpPr>
                 <p:cNvPr id="43" name="ZoneTexte 42">
@@ -5571,6 +5583,7 @@
                 </a:bodyPr>
                 <a:lstStyle/>
                 <a:p>
+                  <a:pPr/>
                   <a14:m>
                     <m:oMathPara xmlns:m="http://schemas.openxmlformats.org/officeDocument/2006/math">
                       <m:oMathParaPr>
@@ -5603,7 +5616,7 @@
               </p:txBody>
             </p:sp>
           </mc:Choice>
-          <mc:Fallback>
+          <mc:Fallback xmlns="">
             <p:sp>
               <p:nvSpPr>
                 <p:cNvPr id="43" name="ZoneTexte 42">
@@ -5648,8 +5661,8 @@
             </p:sp>
           </mc:Fallback>
         </mc:AlternateContent>
-        <mc:AlternateContent xmlns:mc="http://schemas.openxmlformats.org/markup-compatibility/2006">
-          <mc:Choice xmlns:a14="http://schemas.microsoft.com/office/drawing/2010/main" Requires="a14">
+        <mc:AlternateContent xmlns:mc="http://schemas.openxmlformats.org/markup-compatibility/2006" xmlns:a14="http://schemas.microsoft.com/office/drawing/2010/main">
+          <mc:Choice Requires="a14">
             <p:sp>
               <p:nvSpPr>
                 <p:cNvPr id="44" name="ZoneTexte 43">
@@ -5678,6 +5691,7 @@
                 </a:bodyPr>
                 <a:lstStyle/>
                 <a:p>
+                  <a:pPr/>
                   <a14:m>
                     <m:oMathPara xmlns:m="http://schemas.openxmlformats.org/officeDocument/2006/math">
                       <m:oMathParaPr>
@@ -5710,7 +5724,7 @@
               </p:txBody>
             </p:sp>
           </mc:Choice>
-          <mc:Fallback>
+          <mc:Fallback xmlns="">
             <p:sp>
               <p:nvSpPr>
                 <p:cNvPr id="44" name="ZoneTexte 43">
@@ -5755,8 +5769,8 @@
             </p:sp>
           </mc:Fallback>
         </mc:AlternateContent>
-        <mc:AlternateContent xmlns:mc="http://schemas.openxmlformats.org/markup-compatibility/2006">
-          <mc:Choice xmlns:a14="http://schemas.microsoft.com/office/drawing/2010/main" Requires="a14">
+        <mc:AlternateContent xmlns:mc="http://schemas.openxmlformats.org/markup-compatibility/2006" xmlns:a14="http://schemas.microsoft.com/office/drawing/2010/main">
+          <mc:Choice Requires="a14">
             <p:sp>
               <p:nvSpPr>
                 <p:cNvPr id="45" name="ZoneTexte 44">
@@ -5785,6 +5799,7 @@
                 </a:bodyPr>
                 <a:lstStyle/>
                 <a:p>
+                  <a:pPr/>
                   <a14:m>
                     <m:oMathPara xmlns:m="http://schemas.openxmlformats.org/officeDocument/2006/math">
                       <m:oMathParaPr>
@@ -5836,7 +5851,7 @@
               </p:txBody>
             </p:sp>
           </mc:Choice>
-          <mc:Fallback>
+          <mc:Fallback xmlns="">
             <p:sp>
               <p:nvSpPr>
                 <p:cNvPr id="45" name="ZoneTexte 44">
@@ -5898,7 +5913,7 @@
               <p:spPr>
                 <a:xfrm>
                   <a:off x="1962561" y="1331282"/>
-                  <a:ext cx="167930" cy="246221"/>
+                  <a:ext cx="190373" cy="246221"/>
                 </a:xfrm>
                 <a:prstGeom prst="rect">
                   <a:avLst/>
@@ -5911,6 +5926,7 @@
                 </a:bodyPr>
                 <a:lstStyle/>
                 <a:p>
+                  <a:pPr/>
                   <a14:m>
                     <m:oMathPara xmlns:m="http://schemas.openxmlformats.org/officeDocument/2006/math">
                       <m:oMathParaPr>
@@ -5921,7 +5937,7 @@
                           <a:rPr lang="fr-FR" sz="1600" b="0" i="1" smtClean="0">
                             <a:latin typeface="Cambria Math" panose="02040503050406030204" pitchFamily="18" charset="0"/>
                           </a:rPr>
-                          <m:t>𝜃</m:t>
+                          <m:t>𝜑</m:t>
                         </m:r>
                       </m:oMath>
                     </m:oMathPara>
@@ -5949,7 +5965,7 @@
               <p:spPr>
                 <a:xfrm>
                   <a:off x="1962561" y="1331282"/>
-                  <a:ext cx="167930" cy="246221"/>
+                  <a:ext cx="190373" cy="246221"/>
                 </a:xfrm>
                 <a:prstGeom prst="rect">
                   <a:avLst/>
@@ -5957,7 +5973,7 @@
                 <a:blipFill>
                   <a:blip r:embed="rId17"/>
                   <a:stretch>
-                    <a:fillRect l="-28571" r="-25000" b="-7500"/>
+                    <a:fillRect l="-25000" r="-18750" b="-25000"/>
                   </a:stretch>
                 </a:blipFill>
               </p:spPr>
@@ -5976,8 +5992,8 @@
             </p:sp>
           </mc:Fallback>
         </mc:AlternateContent>
-        <mc:AlternateContent xmlns:mc="http://schemas.openxmlformats.org/markup-compatibility/2006">
-          <mc:Choice xmlns:a14="http://schemas.microsoft.com/office/drawing/2010/main" Requires="a14">
+        <mc:AlternateContent xmlns:mc="http://schemas.openxmlformats.org/markup-compatibility/2006" xmlns:a14="http://schemas.microsoft.com/office/drawing/2010/main">
+          <mc:Choice Requires="a14">
             <p:sp>
               <p:nvSpPr>
                 <p:cNvPr id="47" name="ZoneTexte 46">
@@ -6006,6 +6022,7 @@
                 </a:bodyPr>
                 <a:lstStyle/>
                 <a:p>
+                  <a:pPr/>
                   <a14:m>
                     <m:oMathPara xmlns:m="http://schemas.openxmlformats.org/officeDocument/2006/math">
                       <m:oMathParaPr>
@@ -6057,7 +6074,7 @@
               </p:txBody>
             </p:sp>
           </mc:Choice>
-          <mc:Fallback>
+          <mc:Fallback xmlns="">
             <p:sp>
               <p:nvSpPr>
                 <p:cNvPr id="47" name="ZoneTexte 46">
@@ -6102,8 +6119,8 @@
             </p:sp>
           </mc:Fallback>
         </mc:AlternateContent>
-        <mc:AlternateContent xmlns:mc="http://schemas.openxmlformats.org/markup-compatibility/2006">
-          <mc:Choice xmlns:a14="http://schemas.microsoft.com/office/drawing/2010/main" Requires="a14">
+        <mc:AlternateContent xmlns:mc="http://schemas.openxmlformats.org/markup-compatibility/2006" xmlns:a14="http://schemas.microsoft.com/office/drawing/2010/main">
+          <mc:Choice Requires="a14">
             <p:sp>
               <p:nvSpPr>
                 <p:cNvPr id="48" name="ZoneTexte 47">
@@ -6132,6 +6149,7 @@
                 </a:bodyPr>
                 <a:lstStyle/>
                 <a:p>
+                  <a:pPr/>
                   <a14:m>
                     <m:oMathPara xmlns:m="http://schemas.openxmlformats.org/officeDocument/2006/math">
                       <m:oMathParaPr>
@@ -6183,7 +6201,7 @@
               </p:txBody>
             </p:sp>
           </mc:Choice>
-          <mc:Fallback>
+          <mc:Fallback xmlns="">
             <p:sp>
               <p:nvSpPr>
                 <p:cNvPr id="48" name="ZoneTexte 47">
